--- a/scenario4/recording/T101389-Scenario4-v20210921.pptx
+++ b/scenario4/recording/T101389-Scenario4-v20210921.pptx
@@ -6,12 +6,13 @@
   </p:sldMasterIdLst>
   <p:sldIdLst>
     <p:sldId id="256" r:id="rId2"/>
-    <p:sldId id="257" r:id="rId3"/>
-    <p:sldId id="258" r:id="rId4"/>
-    <p:sldId id="259" r:id="rId5"/>
-    <p:sldId id="261" r:id="rId6"/>
-    <p:sldId id="262" r:id="rId7"/>
-    <p:sldId id="263" r:id="rId8"/>
+    <p:sldId id="264" r:id="rId3"/>
+    <p:sldId id="257" r:id="rId4"/>
+    <p:sldId id="258" r:id="rId5"/>
+    <p:sldId id="259" r:id="rId6"/>
+    <p:sldId id="261" r:id="rId7"/>
+    <p:sldId id="262" r:id="rId8"/>
+    <p:sldId id="263" r:id="rId9"/>
   </p:sldIdLst>
   <p:sldSz cx="12192000" cy="6858000"/>
   <p:notesSz cx="6858000" cy="9144000"/>
@@ -3663,6 +3664,66 @@
           <p:cNvPr id="5" name="Picture 4">
             <a:extLst>
               <a:ext uri="{FF2B5EF4-FFF2-40B4-BE49-F238E27FC236}">
+                <a16:creationId xmlns:a16="http://schemas.microsoft.com/office/drawing/2014/main" id="{A5387E5C-1F6B-4E2A-BAFD-BEA00E9DC8E1}"/>
+              </a:ext>
+            </a:extLst>
+          </p:cNvPr>
+          <p:cNvPicPr>
+            <a:picLocks noChangeAspect="1"/>
+          </p:cNvPicPr>
+          <p:nvPr/>
+        </p:nvPicPr>
+        <p:blipFill>
+          <a:blip r:embed="rId2"/>
+          <a:stretch>
+            <a:fillRect/>
+          </a:stretch>
+        </p:blipFill>
+        <p:spPr>
+          <a:xfrm>
+            <a:off x="1741098" y="476250"/>
+            <a:ext cx="8045277" cy="5905500"/>
+          </a:xfrm>
+          <a:prstGeom prst="rect">
+            <a:avLst/>
+          </a:prstGeom>
+        </p:spPr>
+      </p:pic>
+    </p:spTree>
+    <p:extLst>
+      <p:ext uri="{BB962C8B-B14F-4D97-AF65-F5344CB8AC3E}">
+        <p14:creationId xmlns:p14="http://schemas.microsoft.com/office/powerpoint/2010/main" val="3486586467"/>
+      </p:ext>
+    </p:extLst>
+  </p:cSld>
+  <p:clrMapOvr>
+    <a:masterClrMapping/>
+  </p:clrMapOvr>
+</p:sld>
+</file>
+
+<file path=ppt/slides/slide3.xml><?xml version="1.0" encoding="utf-8"?>
+<p:sld xmlns:a="http://schemas.openxmlformats.org/drawingml/2006/main" xmlns:r="http://schemas.openxmlformats.org/officeDocument/2006/relationships" xmlns:p="http://schemas.openxmlformats.org/presentationml/2006/main">
+  <p:cSld>
+    <p:spTree>
+      <p:nvGrpSpPr>
+        <p:cNvPr id="1" name=""/>
+        <p:cNvGrpSpPr/>
+        <p:nvPr/>
+      </p:nvGrpSpPr>
+      <p:grpSpPr>
+        <a:xfrm>
+          <a:off x="0" y="0"/>
+          <a:ext cx="0" cy="0"/>
+          <a:chOff x="0" y="0"/>
+          <a:chExt cx="0" cy="0"/>
+        </a:xfrm>
+      </p:grpSpPr>
+      <p:pic>
+        <p:nvPicPr>
+          <p:cNvPr id="5" name="Picture 4">
+            <a:extLst>
+              <a:ext uri="{FF2B5EF4-FFF2-40B4-BE49-F238E27FC236}">
                 <a16:creationId xmlns:a16="http://schemas.microsoft.com/office/drawing/2014/main" id="{24FE7138-5ECC-4F1C-8D38-7F1277A19E8D}"/>
               </a:ext>
             </a:extLst>
@@ -3821,7 +3882,7 @@
 </p:sld>
 </file>
 
-<file path=ppt/slides/slide3.xml><?xml version="1.0" encoding="utf-8"?>
+<file path=ppt/slides/slide4.xml><?xml version="1.0" encoding="utf-8"?>
 <p:sld xmlns:a="http://schemas.openxmlformats.org/drawingml/2006/main" xmlns:r="http://schemas.openxmlformats.org/officeDocument/2006/relationships" xmlns:p="http://schemas.openxmlformats.org/presentationml/2006/main">
   <p:cSld>
     <p:spTree>
@@ -4157,7 +4218,7 @@
 </p:sld>
 </file>
 
-<file path=ppt/slides/slide4.xml><?xml version="1.0" encoding="utf-8"?>
+<file path=ppt/slides/slide5.xml><?xml version="1.0" encoding="utf-8"?>
 <p:sld xmlns:a="http://schemas.openxmlformats.org/drawingml/2006/main" xmlns:r="http://schemas.openxmlformats.org/officeDocument/2006/relationships" xmlns:p="http://schemas.openxmlformats.org/presentationml/2006/main">
   <p:cSld>
     <p:spTree>
@@ -4265,7 +4326,7 @@
 </p:sld>
 </file>
 
-<file path=ppt/slides/slide5.xml><?xml version="1.0" encoding="utf-8"?>
+<file path=ppt/slides/slide6.xml><?xml version="1.0" encoding="utf-8"?>
 <p:sld xmlns:a="http://schemas.openxmlformats.org/drawingml/2006/main" xmlns:r="http://schemas.openxmlformats.org/officeDocument/2006/relationships" xmlns:p="http://schemas.openxmlformats.org/presentationml/2006/main">
   <p:cSld>
     <p:spTree>
@@ -4373,7 +4434,7 @@
 </p:sld>
 </file>
 
-<file path=ppt/slides/slide6.xml><?xml version="1.0" encoding="utf-8"?>
+<file path=ppt/slides/slide7.xml><?xml version="1.0" encoding="utf-8"?>
 <p:sld xmlns:a="http://schemas.openxmlformats.org/drawingml/2006/main" xmlns:r="http://schemas.openxmlformats.org/officeDocument/2006/relationships" xmlns:p="http://schemas.openxmlformats.org/presentationml/2006/main">
   <p:cSld>
     <p:spTree>
@@ -4533,7 +4594,7 @@
 </p:sld>
 </file>
 
-<file path=ppt/slides/slide7.xml><?xml version="1.0" encoding="utf-8"?>
+<file path=ppt/slides/slide8.xml><?xml version="1.0" encoding="utf-8"?>
 <p:sld xmlns:a="http://schemas.openxmlformats.org/drawingml/2006/main" xmlns:r="http://schemas.openxmlformats.org/officeDocument/2006/relationships" xmlns:p="http://schemas.openxmlformats.org/presentationml/2006/main">
   <p:cSld>
     <p:spTree>

--- a/scenario4/recording/T101389-Scenario4-v20210921.pptx
+++ b/scenario4/recording/T101389-Scenario4-v20210921.pptx
@@ -266,7 +266,7 @@
           <a:p>
             <a:fld id="{48FC2B21-7E56-4657-8153-3102D269B655}" type="datetimeFigureOut">
               <a:rPr lang="en-US" smtClean="0"/>
-              <a:t>9/21/2021</a:t>
+              <a:t>9/22/2021</a:t>
             </a:fld>
             <a:endParaRPr lang="en-US"/>
           </a:p>
@@ -464,7 +464,7 @@
           <a:p>
             <a:fld id="{48FC2B21-7E56-4657-8153-3102D269B655}" type="datetimeFigureOut">
               <a:rPr lang="en-US" smtClean="0"/>
-              <a:t>9/21/2021</a:t>
+              <a:t>9/22/2021</a:t>
             </a:fld>
             <a:endParaRPr lang="en-US"/>
           </a:p>
@@ -672,7 +672,7 @@
           <a:p>
             <a:fld id="{48FC2B21-7E56-4657-8153-3102D269B655}" type="datetimeFigureOut">
               <a:rPr lang="en-US" smtClean="0"/>
-              <a:t>9/21/2021</a:t>
+              <a:t>9/22/2021</a:t>
             </a:fld>
             <a:endParaRPr lang="en-US"/>
           </a:p>
@@ -870,7 +870,7 @@
           <a:p>
             <a:fld id="{48FC2B21-7E56-4657-8153-3102D269B655}" type="datetimeFigureOut">
               <a:rPr lang="en-US" smtClean="0"/>
-              <a:t>9/21/2021</a:t>
+              <a:t>9/22/2021</a:t>
             </a:fld>
             <a:endParaRPr lang="en-US"/>
           </a:p>
@@ -1145,7 +1145,7 @@
           <a:p>
             <a:fld id="{48FC2B21-7E56-4657-8153-3102D269B655}" type="datetimeFigureOut">
               <a:rPr lang="en-US" smtClean="0"/>
-              <a:t>9/21/2021</a:t>
+              <a:t>9/22/2021</a:t>
             </a:fld>
             <a:endParaRPr lang="en-US"/>
           </a:p>
@@ -1410,7 +1410,7 @@
           <a:p>
             <a:fld id="{48FC2B21-7E56-4657-8153-3102D269B655}" type="datetimeFigureOut">
               <a:rPr lang="en-US" smtClean="0"/>
-              <a:t>9/21/2021</a:t>
+              <a:t>9/22/2021</a:t>
             </a:fld>
             <a:endParaRPr lang="en-US"/>
           </a:p>
@@ -1822,7 +1822,7 @@
           <a:p>
             <a:fld id="{48FC2B21-7E56-4657-8153-3102D269B655}" type="datetimeFigureOut">
               <a:rPr lang="en-US" smtClean="0"/>
-              <a:t>9/21/2021</a:t>
+              <a:t>9/22/2021</a:t>
             </a:fld>
             <a:endParaRPr lang="en-US"/>
           </a:p>
@@ -1963,7 +1963,7 @@
           <a:p>
             <a:fld id="{48FC2B21-7E56-4657-8153-3102D269B655}" type="datetimeFigureOut">
               <a:rPr lang="en-US" smtClean="0"/>
-              <a:t>9/21/2021</a:t>
+              <a:t>9/22/2021</a:t>
             </a:fld>
             <a:endParaRPr lang="en-US"/>
           </a:p>
@@ -2076,7 +2076,7 @@
           <a:p>
             <a:fld id="{48FC2B21-7E56-4657-8153-3102D269B655}" type="datetimeFigureOut">
               <a:rPr lang="en-US" smtClean="0"/>
-              <a:t>9/21/2021</a:t>
+              <a:t>9/22/2021</a:t>
             </a:fld>
             <a:endParaRPr lang="en-US"/>
           </a:p>
@@ -2387,7 +2387,7 @@
           <a:p>
             <a:fld id="{48FC2B21-7E56-4657-8153-3102D269B655}" type="datetimeFigureOut">
               <a:rPr lang="en-US" smtClean="0"/>
-              <a:t>9/21/2021</a:t>
+              <a:t>9/22/2021</a:t>
             </a:fld>
             <a:endParaRPr lang="en-US"/>
           </a:p>
@@ -2675,7 +2675,7 @@
           <a:p>
             <a:fld id="{48FC2B21-7E56-4657-8153-3102D269B655}" type="datetimeFigureOut">
               <a:rPr lang="en-US" smtClean="0"/>
-              <a:t>9/21/2021</a:t>
+              <a:t>9/22/2021</a:t>
             </a:fld>
             <a:endParaRPr lang="en-US"/>
           </a:p>
@@ -2916,7 +2916,7 @@
           <a:p>
             <a:fld id="{48FC2B21-7E56-4657-8153-3102D269B655}" type="datetimeFigureOut">
               <a:rPr lang="en-US" smtClean="0"/>
-              <a:t>9/21/2021</a:t>
+              <a:t>9/22/2021</a:t>
             </a:fld>
             <a:endParaRPr lang="en-US"/>
           </a:p>
@@ -3369,7 +3369,7 @@
                 <a:effectLst/>
                 <a:latin typeface="-apple-system"/>
               </a:rPr>
-              <a:t>Demo: Unified Data Catalog for Military Aircraft</a:t>
+              <a:t>Demo: Unified Data Catalog for Aircraft Images</a:t>
             </a:r>
             <a:endParaRPr lang="en-US" sz="4000" dirty="0"/>
           </a:p>
@@ -3616,15 +3616,7 @@
           <a:p>
             <a:r>
               <a:rPr lang="en-US" b="1" dirty="0"/>
-              <a:t>Scenario 4: </a:t>
-            </a:r>
-            <a:r>
-              <a:rPr lang="en-US" b="1" dirty="0" err="1"/>
-              <a:t>ContentSearch</a:t>
-            </a:r>
-            <a:r>
-              <a:rPr lang="en-US" b="1" dirty="0"/>
-              <a:t> of Photo Metadata to Enrich Catalog</a:t>
+              <a:t>Scenario 4: Extract Geospatial Metadata to Enrich Catalog</a:t>
             </a:r>
           </a:p>
         </p:txBody>
